--- a/Latex/Figures/Chapter3/fig_leaky_bucket.pptx
+++ b/Latex/Figures/Chapter3/fig_leaky_bucket.pptx
@@ -243,7 +243,7 @@
           <a:p>
             <a:fld id="{A8F48D5B-9275-4A08-B238-9C7CECCD580A}" type="datetimeFigureOut">
               <a:rPr lang="en-US" smtClean="0"/>
-              <a:t>5/25/2018</a:t>
+              <a:t>7/5/2019</a:t>
             </a:fld>
             <a:endParaRPr lang="en-US"/>
           </a:p>
@@ -413,7 +413,7 @@
           <a:p>
             <a:fld id="{A8F48D5B-9275-4A08-B238-9C7CECCD580A}" type="datetimeFigureOut">
               <a:rPr lang="en-US" smtClean="0"/>
-              <a:t>5/25/2018</a:t>
+              <a:t>7/5/2019</a:t>
             </a:fld>
             <a:endParaRPr lang="en-US"/>
           </a:p>
@@ -593,7 +593,7 @@
           <a:p>
             <a:fld id="{A8F48D5B-9275-4A08-B238-9C7CECCD580A}" type="datetimeFigureOut">
               <a:rPr lang="en-US" smtClean="0"/>
-              <a:t>5/25/2018</a:t>
+              <a:t>7/5/2019</a:t>
             </a:fld>
             <a:endParaRPr lang="en-US"/>
           </a:p>
@@ -763,7 +763,7 @@
           <a:p>
             <a:fld id="{A8F48D5B-9275-4A08-B238-9C7CECCD580A}" type="datetimeFigureOut">
               <a:rPr lang="en-US" smtClean="0"/>
-              <a:t>5/25/2018</a:t>
+              <a:t>7/5/2019</a:t>
             </a:fld>
             <a:endParaRPr lang="en-US"/>
           </a:p>
@@ -1007,7 +1007,7 @@
           <a:p>
             <a:fld id="{A8F48D5B-9275-4A08-B238-9C7CECCD580A}" type="datetimeFigureOut">
               <a:rPr lang="en-US" smtClean="0"/>
-              <a:t>5/25/2018</a:t>
+              <a:t>7/5/2019</a:t>
             </a:fld>
             <a:endParaRPr lang="en-US"/>
           </a:p>
@@ -1239,7 +1239,7 @@
           <a:p>
             <a:fld id="{A8F48D5B-9275-4A08-B238-9C7CECCD580A}" type="datetimeFigureOut">
               <a:rPr lang="en-US" smtClean="0"/>
-              <a:t>5/25/2018</a:t>
+              <a:t>7/5/2019</a:t>
             </a:fld>
             <a:endParaRPr lang="en-US"/>
           </a:p>
@@ -1606,7 +1606,7 @@
           <a:p>
             <a:fld id="{A8F48D5B-9275-4A08-B238-9C7CECCD580A}" type="datetimeFigureOut">
               <a:rPr lang="en-US" smtClean="0"/>
-              <a:t>5/25/2018</a:t>
+              <a:t>7/5/2019</a:t>
             </a:fld>
             <a:endParaRPr lang="en-US"/>
           </a:p>
@@ -1724,7 +1724,7 @@
           <a:p>
             <a:fld id="{A8F48D5B-9275-4A08-B238-9C7CECCD580A}" type="datetimeFigureOut">
               <a:rPr lang="en-US" smtClean="0"/>
-              <a:t>5/25/2018</a:t>
+              <a:t>7/5/2019</a:t>
             </a:fld>
             <a:endParaRPr lang="en-US"/>
           </a:p>
@@ -1819,7 +1819,7 @@
           <a:p>
             <a:fld id="{A8F48D5B-9275-4A08-B238-9C7CECCD580A}" type="datetimeFigureOut">
               <a:rPr lang="en-US" smtClean="0"/>
-              <a:t>5/25/2018</a:t>
+              <a:t>7/5/2019</a:t>
             </a:fld>
             <a:endParaRPr lang="en-US"/>
           </a:p>
@@ -2096,7 +2096,7 @@
           <a:p>
             <a:fld id="{A8F48D5B-9275-4A08-B238-9C7CECCD580A}" type="datetimeFigureOut">
               <a:rPr lang="en-US" smtClean="0"/>
-              <a:t>5/25/2018</a:t>
+              <a:t>7/5/2019</a:t>
             </a:fld>
             <a:endParaRPr lang="en-US"/>
           </a:p>
@@ -2353,7 +2353,7 @@
           <a:p>
             <a:fld id="{A8F48D5B-9275-4A08-B238-9C7CECCD580A}" type="datetimeFigureOut">
               <a:rPr lang="en-US" smtClean="0"/>
-              <a:t>5/25/2018</a:t>
+              <a:t>7/5/2019</a:t>
             </a:fld>
             <a:endParaRPr lang="en-US"/>
           </a:p>
@@ -2566,7 +2566,7 @@
           <a:p>
             <a:fld id="{A8F48D5B-9275-4A08-B238-9C7CECCD580A}" type="datetimeFigureOut">
               <a:rPr lang="en-US" smtClean="0"/>
-              <a:t>5/25/2018</a:t>
+              <a:t>7/5/2019</a:t>
             </a:fld>
             <a:endParaRPr lang="en-US"/>
           </a:p>
@@ -2995,16 +2995,16 @@
           <a:p>
             <a:r>
               <a:rPr lang="en-US" dirty="0" smtClean="0">
-                <a:latin typeface="Times New Roman" panose="02020603050405020304" pitchFamily="18" charset="0"/>
-                <a:ea typeface="Roboto" panose="02000000000000000000" pitchFamily="2" charset="0"/>
-                <a:cs typeface="Times New Roman" panose="02020603050405020304" pitchFamily="18" charset="0"/>
+                <a:latin typeface="Linux Libertine" panose="02000503000000000000" pitchFamily="2" charset="0"/>
+                <a:ea typeface="Linux Libertine" panose="02000503000000000000" pitchFamily="2" charset="0"/>
+                <a:cs typeface="Linux Libertine" panose="02000503000000000000" pitchFamily="2" charset="0"/>
               </a:rPr>
               <a:t>0</a:t>
             </a:r>
             <a:endParaRPr lang="en-US" sz="4000" dirty="0">
-              <a:latin typeface="Times New Roman" panose="02020603050405020304" pitchFamily="18" charset="0"/>
-              <a:ea typeface="Roboto" panose="02000000000000000000" pitchFamily="2" charset="0"/>
-              <a:cs typeface="Times New Roman" panose="02020603050405020304" pitchFamily="18" charset="0"/>
+              <a:latin typeface="Linux Libertine" panose="02000503000000000000" pitchFamily="2" charset="0"/>
+              <a:ea typeface="Linux Libertine" panose="02000503000000000000" pitchFamily="2" charset="0"/>
+              <a:cs typeface="Linux Libertine" panose="02000503000000000000" pitchFamily="2" charset="0"/>
             </a:endParaRPr>
           </a:p>
         </p:txBody>
@@ -3051,7 +3051,7 @@
         <p:spPr>
           <a:xfrm>
             <a:off x="441335" y="-34542"/>
-            <a:ext cx="274434" cy="369332"/>
+            <a:ext cx="285656" cy="369332"/>
           </a:xfrm>
           <a:prstGeom prst="rect">
             <a:avLst/>
@@ -3066,16 +3066,16 @@
           <a:p>
             <a:r>
               <a:rPr lang="en-US" i="1" dirty="0" smtClean="0">
-                <a:latin typeface="Times New Roman" panose="02020603050405020304" pitchFamily="18" charset="0"/>
-                <a:ea typeface="Roboto" panose="02000000000000000000" pitchFamily="2" charset="0"/>
-                <a:cs typeface="Times New Roman" panose="02020603050405020304" pitchFamily="18" charset="0"/>
+                <a:latin typeface="Linux Libertine" panose="02000503000000000000" pitchFamily="2" charset="0"/>
+                <a:ea typeface="Linux Libertine" panose="02000503000000000000" pitchFamily="2" charset="0"/>
+                <a:cs typeface="Linux Libertine" panose="02000503000000000000" pitchFamily="2" charset="0"/>
               </a:rPr>
               <a:t>z</a:t>
             </a:r>
             <a:endParaRPr lang="en-US" sz="4000" i="1" dirty="0">
-              <a:latin typeface="Times New Roman" panose="02020603050405020304" pitchFamily="18" charset="0"/>
-              <a:ea typeface="Roboto" panose="02000000000000000000" pitchFamily="2" charset="0"/>
-              <a:cs typeface="Times New Roman" panose="02020603050405020304" pitchFamily="18" charset="0"/>
+              <a:latin typeface="Linux Libertine" panose="02000503000000000000" pitchFamily="2" charset="0"/>
+              <a:ea typeface="Linux Libertine" panose="02000503000000000000" pitchFamily="2" charset="0"/>
+              <a:cs typeface="Linux Libertine" panose="02000503000000000000" pitchFamily="2" charset="0"/>
             </a:endParaRPr>
           </a:p>
         </p:txBody>
@@ -3513,16 +3513,16 @@
             <a:pPr algn="r"/>
             <a:r>
               <a:rPr lang="en-US" dirty="0" smtClean="0">
-                <a:latin typeface="Times New Roman" panose="02020603050405020304" pitchFamily="18" charset="0"/>
-                <a:ea typeface="Roboto" panose="02000000000000000000" pitchFamily="2" charset="0"/>
-                <a:cs typeface="Times New Roman" panose="02020603050405020304" pitchFamily="18" charset="0"/>
+                <a:latin typeface="Linux Libertine" panose="02000503000000000000" pitchFamily="2" charset="0"/>
+                <a:ea typeface="Linux Libertine" panose="02000503000000000000" pitchFamily="2" charset="0"/>
+                <a:cs typeface="Linux Libertine" panose="02000503000000000000" pitchFamily="2" charset="0"/>
               </a:rPr>
               <a:t>1 m</a:t>
             </a:r>
             <a:endParaRPr lang="en-US" sz="4000" dirty="0">
-              <a:latin typeface="Times New Roman" panose="02020603050405020304" pitchFamily="18" charset="0"/>
-              <a:ea typeface="Roboto" panose="02000000000000000000" pitchFamily="2" charset="0"/>
-              <a:cs typeface="Times New Roman" panose="02020603050405020304" pitchFamily="18" charset="0"/>
+              <a:latin typeface="Linux Libertine" panose="02000503000000000000" pitchFamily="2" charset="0"/>
+              <a:ea typeface="Linux Libertine" panose="02000503000000000000" pitchFamily="2" charset="0"/>
+              <a:cs typeface="Linux Libertine" panose="02000503000000000000" pitchFamily="2" charset="0"/>
             </a:endParaRPr>
           </a:p>
         </p:txBody>
@@ -3552,16 +3552,16 @@
             <a:pPr algn="r"/>
             <a:r>
               <a:rPr lang="en-US" dirty="0" smtClean="0">
-                <a:latin typeface="Times New Roman" panose="02020603050405020304" pitchFamily="18" charset="0"/>
-                <a:ea typeface="Roboto" panose="02000000000000000000" pitchFamily="2" charset="0"/>
-                <a:cs typeface="Times New Roman" panose="02020603050405020304" pitchFamily="18" charset="0"/>
+                <a:latin typeface="Linux Libertine" panose="02000503000000000000" pitchFamily="2" charset="0"/>
+                <a:ea typeface="Linux Libertine" panose="02000503000000000000" pitchFamily="2" charset="0"/>
+                <a:cs typeface="Linux Libertine" panose="02000503000000000000" pitchFamily="2" charset="0"/>
               </a:rPr>
               <a:t>Air</a:t>
             </a:r>
             <a:endParaRPr lang="en-US" sz="4000" dirty="0">
-              <a:latin typeface="Times New Roman" panose="02020603050405020304" pitchFamily="18" charset="0"/>
-              <a:ea typeface="Roboto" panose="02000000000000000000" pitchFamily="2" charset="0"/>
-              <a:cs typeface="Times New Roman" panose="02020603050405020304" pitchFamily="18" charset="0"/>
+              <a:latin typeface="Linux Libertine" panose="02000503000000000000" pitchFamily="2" charset="0"/>
+              <a:ea typeface="Linux Libertine" panose="02000503000000000000" pitchFamily="2" charset="0"/>
+              <a:cs typeface="Linux Libertine" panose="02000503000000000000" pitchFamily="2" charset="0"/>
             </a:endParaRPr>
           </a:p>
         </p:txBody>
@@ -3574,8 +3574,8 @@
         </p:nvSpPr>
         <p:spPr>
           <a:xfrm>
-            <a:off x="988252" y="762421"/>
-            <a:ext cx="730456" cy="369332"/>
+            <a:off x="947343" y="762421"/>
+            <a:ext cx="771365" cy="369332"/>
           </a:xfrm>
           <a:prstGeom prst="rect">
             <a:avLst/>
@@ -3591,16 +3591,16 @@
             <a:pPr algn="r"/>
             <a:r>
               <a:rPr lang="en-US" dirty="0" smtClean="0">
-                <a:latin typeface="Times New Roman" panose="02020603050405020304" pitchFamily="18" charset="0"/>
-                <a:ea typeface="Roboto" panose="02000000000000000000" pitchFamily="2" charset="0"/>
-                <a:cs typeface="Times New Roman" panose="02020603050405020304" pitchFamily="18" charset="0"/>
+                <a:latin typeface="Linux Libertine" panose="02000503000000000000" pitchFamily="2" charset="0"/>
+                <a:ea typeface="Linux Libertine" panose="02000503000000000000" pitchFamily="2" charset="0"/>
+                <a:cs typeface="Linux Libertine" panose="02000503000000000000" pitchFamily="2" charset="0"/>
               </a:rPr>
               <a:t>Water</a:t>
             </a:r>
             <a:endParaRPr lang="en-US" sz="4000" dirty="0">
-              <a:latin typeface="Times New Roman" panose="02020603050405020304" pitchFamily="18" charset="0"/>
-              <a:ea typeface="Roboto" panose="02000000000000000000" pitchFamily="2" charset="0"/>
-              <a:cs typeface="Times New Roman" panose="02020603050405020304" pitchFamily="18" charset="0"/>
+              <a:latin typeface="Linux Libertine" panose="02000503000000000000" pitchFamily="2" charset="0"/>
+              <a:ea typeface="Linux Libertine" panose="02000503000000000000" pitchFamily="2" charset="0"/>
+              <a:cs typeface="Linux Libertine" panose="02000503000000000000" pitchFamily="2" charset="0"/>
             </a:endParaRPr>
           </a:p>
         </p:txBody>
@@ -3716,16 +3716,16 @@
             <a:pPr algn="r"/>
             <a:r>
               <a:rPr lang="en-US" dirty="0" smtClean="0">
-                <a:latin typeface="Times New Roman" panose="02020603050405020304" pitchFamily="18" charset="0"/>
-                <a:ea typeface="Roboto" panose="02000000000000000000" pitchFamily="2" charset="0"/>
-                <a:cs typeface="Times New Roman" panose="02020603050405020304" pitchFamily="18" charset="0"/>
+                <a:latin typeface="Linux Libertine" panose="02000503000000000000" pitchFamily="2" charset="0"/>
+                <a:ea typeface="Linux Libertine" panose="02000503000000000000" pitchFamily="2" charset="0"/>
+                <a:cs typeface="Linux Libertine" panose="02000503000000000000" pitchFamily="2" charset="0"/>
               </a:rPr>
               <a:t>1</a:t>
             </a:r>
             <a:endParaRPr lang="en-US" sz="4000" dirty="0">
-              <a:latin typeface="Times New Roman" panose="02020603050405020304" pitchFamily="18" charset="0"/>
-              <a:ea typeface="Roboto" panose="02000000000000000000" pitchFamily="2" charset="0"/>
-              <a:cs typeface="Times New Roman" panose="02020603050405020304" pitchFamily="18" charset="0"/>
+              <a:latin typeface="Linux Libertine" panose="02000503000000000000" pitchFamily="2" charset="0"/>
+              <a:ea typeface="Linux Libertine" panose="02000503000000000000" pitchFamily="2" charset="0"/>
+              <a:cs typeface="Linux Libertine" panose="02000503000000000000" pitchFamily="2" charset="0"/>
             </a:endParaRPr>
           </a:p>
         </p:txBody>
@@ -3755,16 +3755,16 @@
             <a:pPr algn="r"/>
             <a:r>
               <a:rPr lang="en-US" dirty="0" smtClean="0">
-                <a:latin typeface="Times New Roman" panose="02020603050405020304" pitchFamily="18" charset="0"/>
-                <a:ea typeface="Roboto" panose="02000000000000000000" pitchFamily="2" charset="0"/>
-                <a:cs typeface="Times New Roman" panose="02020603050405020304" pitchFamily="18" charset="0"/>
+                <a:latin typeface="Linux Libertine" panose="02000503000000000000" pitchFamily="2" charset="0"/>
+                <a:ea typeface="Linux Libertine" panose="02000503000000000000" pitchFamily="2" charset="0"/>
+                <a:cs typeface="Linux Libertine" panose="02000503000000000000" pitchFamily="2" charset="0"/>
               </a:rPr>
               <a:t>2</a:t>
             </a:r>
             <a:endParaRPr lang="en-US" sz="4000" dirty="0">
-              <a:latin typeface="Times New Roman" panose="02020603050405020304" pitchFamily="18" charset="0"/>
-              <a:ea typeface="Roboto" panose="02000000000000000000" pitchFamily="2" charset="0"/>
-              <a:cs typeface="Times New Roman" panose="02020603050405020304" pitchFamily="18" charset="0"/>
+              <a:latin typeface="Linux Libertine" panose="02000503000000000000" pitchFamily="2" charset="0"/>
+              <a:ea typeface="Linux Libertine" panose="02000503000000000000" pitchFamily="2" charset="0"/>
+              <a:cs typeface="Linux Libertine" panose="02000503000000000000" pitchFamily="2" charset="0"/>
             </a:endParaRPr>
           </a:p>
         </p:txBody>
@@ -3905,6 +3905,13 @@
   <p:clrMapOvr>
     <a:masterClrMapping/>
   </p:clrMapOvr>
+  <p:timing>
+    <p:tnLst>
+      <p:par>
+        <p:cTn id="1" dur="indefinite" restart="never" nodeType="tmRoot"/>
+      </p:par>
+    </p:tnLst>
+  </p:timing>
 </p:sld>
 </file>
 
